--- a/AlgoInvest&Trade.pptx
+++ b/AlgoInvest&Trade.pptx
@@ -120,6 +120,11 @@
       </a:defRPr>
     </a:lvl9pPr>
   </p:defaultTextStyle>
+  <p:extLst>
+    <p:ext uri="{EFAFB233-063F-42B5-8137-9DF3F51BA10A}">
+      <p15:sldGuideLst xmlns:p15="http://schemas.microsoft.com/office/powerpoint/2012/main"/>
+    </p:ext>
+  </p:extLst>
 </p:presentation>
 </file>
 
@@ -205,7 +210,7 @@
           <a:p>
             <a:fld id="{BCB9BB37-B89F-4B06-BD1C-05CA20379372}" type="datetimeFigureOut">
               <a:rPr lang="fr-FR" smtClean="0"/>
-              <a:t>05/09/2021</a:t>
+              <a:t>06/09/2021</a:t>
             </a:fld>
             <a:endParaRPr lang="fr-FR" dirty="0"/>
           </a:p>
@@ -1764,7 +1769,7 @@
           <a:p>
             <a:fld id="{982A5430-F9BB-4E1D-BCD0-73DF89425F04}" type="datetimeFigureOut">
               <a:rPr lang="fr-FR" smtClean="0"/>
-              <a:t>05/09/2021</a:t>
+              <a:t>06/09/2021</a:t>
             </a:fld>
             <a:endParaRPr lang="fr-FR" dirty="0"/>
           </a:p>
@@ -1934,7 +1939,7 @@
           <a:p>
             <a:fld id="{982A5430-F9BB-4E1D-BCD0-73DF89425F04}" type="datetimeFigureOut">
               <a:rPr lang="fr-FR" smtClean="0"/>
-              <a:t>05/09/2021</a:t>
+              <a:t>06/09/2021</a:t>
             </a:fld>
             <a:endParaRPr lang="fr-FR" dirty="0"/>
           </a:p>
@@ -2114,7 +2119,7 @@
           <a:p>
             <a:fld id="{982A5430-F9BB-4E1D-BCD0-73DF89425F04}" type="datetimeFigureOut">
               <a:rPr lang="fr-FR" smtClean="0"/>
-              <a:t>05/09/2021</a:t>
+              <a:t>06/09/2021</a:t>
             </a:fld>
             <a:endParaRPr lang="fr-FR" dirty="0"/>
           </a:p>
@@ -2284,7 +2289,7 @@
           <a:p>
             <a:fld id="{982A5430-F9BB-4E1D-BCD0-73DF89425F04}" type="datetimeFigureOut">
               <a:rPr lang="fr-FR" smtClean="0"/>
-              <a:t>05/09/2021</a:t>
+              <a:t>06/09/2021</a:t>
             </a:fld>
             <a:endParaRPr lang="fr-FR" dirty="0"/>
           </a:p>
@@ -2530,7 +2535,7 @@
           <a:p>
             <a:fld id="{982A5430-F9BB-4E1D-BCD0-73DF89425F04}" type="datetimeFigureOut">
               <a:rPr lang="fr-FR" smtClean="0"/>
-              <a:t>05/09/2021</a:t>
+              <a:t>06/09/2021</a:t>
             </a:fld>
             <a:endParaRPr lang="fr-FR" dirty="0"/>
           </a:p>
@@ -2762,7 +2767,7 @@
           <a:p>
             <a:fld id="{982A5430-F9BB-4E1D-BCD0-73DF89425F04}" type="datetimeFigureOut">
               <a:rPr lang="fr-FR" smtClean="0"/>
-              <a:t>05/09/2021</a:t>
+              <a:t>06/09/2021</a:t>
             </a:fld>
             <a:endParaRPr lang="fr-FR" dirty="0"/>
           </a:p>
@@ -3129,7 +3134,7 @@
           <a:p>
             <a:fld id="{982A5430-F9BB-4E1D-BCD0-73DF89425F04}" type="datetimeFigureOut">
               <a:rPr lang="fr-FR" smtClean="0"/>
-              <a:t>05/09/2021</a:t>
+              <a:t>06/09/2021</a:t>
             </a:fld>
             <a:endParaRPr lang="fr-FR" dirty="0"/>
           </a:p>
@@ -3247,7 +3252,7 @@
           <a:p>
             <a:fld id="{982A5430-F9BB-4E1D-BCD0-73DF89425F04}" type="datetimeFigureOut">
               <a:rPr lang="fr-FR" smtClean="0"/>
-              <a:t>05/09/2021</a:t>
+              <a:t>06/09/2021</a:t>
             </a:fld>
             <a:endParaRPr lang="fr-FR" dirty="0"/>
           </a:p>
@@ -3342,7 +3347,7 @@
           <a:p>
             <a:fld id="{982A5430-F9BB-4E1D-BCD0-73DF89425F04}" type="datetimeFigureOut">
               <a:rPr lang="fr-FR" smtClean="0"/>
-              <a:t>05/09/2021</a:t>
+              <a:t>06/09/2021</a:t>
             </a:fld>
             <a:endParaRPr lang="fr-FR" dirty="0"/>
           </a:p>
@@ -3619,7 +3624,7 @@
           <a:p>
             <a:fld id="{982A5430-F9BB-4E1D-BCD0-73DF89425F04}" type="datetimeFigureOut">
               <a:rPr lang="fr-FR" smtClean="0"/>
-              <a:t>05/09/2021</a:t>
+              <a:t>06/09/2021</a:t>
             </a:fld>
             <a:endParaRPr lang="fr-FR" dirty="0"/>
           </a:p>
@@ -3872,7 +3877,7 @@
           <a:p>
             <a:fld id="{982A5430-F9BB-4E1D-BCD0-73DF89425F04}" type="datetimeFigureOut">
               <a:rPr lang="fr-FR" smtClean="0"/>
-              <a:t>05/09/2021</a:t>
+              <a:t>06/09/2021</a:t>
             </a:fld>
             <a:endParaRPr lang="fr-FR" dirty="0"/>
           </a:p>
@@ -4115,7 +4120,7 @@
           <a:p>
             <a:fld id="{982A5430-F9BB-4E1D-BCD0-73DF89425F04}" type="datetimeFigureOut">
               <a:rPr lang="fr-FR" smtClean="0"/>
-              <a:t>05/09/2021</a:t>
+              <a:t>06/09/2021</a:t>
             </a:fld>
             <a:endParaRPr lang="fr-FR" dirty="0"/>
           </a:p>
@@ -4926,7 +4931,7 @@
                             </p:stCondLst>
                             <p:childTnLst>
                               <p:par>
-                                <p:cTn id="5" presetID="10" presetClass="entr" presetSubtype="0" fill="hold" grpId="0" nodeType="clickEffect">
+                                <p:cTn id="5" presetID="1" presetClass="entr" presetSubtype="0" fill="hold" grpId="0" nodeType="clickEffect">
                                   <p:stCondLst>
                                     <p:cond delay="0"/>
                                   </p:stCondLst>
@@ -4940,9 +4945,7 @@
                                         </p:cTn>
                                         <p:tgtEl>
                                           <p:spTgt spid="3">
-                                            <p:txEl>
-                                              <p:pRg st="0" end="0"/>
-                                            </p:txEl>
+                                            <p:bg/>
                                           </p:spTgt>
                                         </p:tgtEl>
                                         <p:attrNameLst>
@@ -4953,39 +4956,25 @@
                                         <p:strVal val="visible"/>
                                       </p:to>
                                     </p:set>
-                                    <p:animEffect transition="in" filter="fade">
-                                      <p:cBhvr>
-                                        <p:cTn id="7" dur="500"/>
-                                        <p:tgtEl>
-                                          <p:spTgt spid="3">
-                                            <p:txEl>
-                                              <p:pRg st="0" end="0"/>
-                                            </p:txEl>
-                                          </p:spTgt>
-                                        </p:tgtEl>
-                                      </p:cBhvr>
-                                    </p:animEffect>
                                   </p:childTnLst>
                                 </p:cTn>
                               </p:par>
                               <p:par>
-                                <p:cTn id="8" presetID="10" presetClass="entr" presetSubtype="0" fill="hold" grpId="0" nodeType="withEffect">
+                                <p:cTn id="7" presetID="1" presetClass="entr" presetSubtype="0" fill="hold" grpId="0" nodeType="withEffect">
                                   <p:stCondLst>
                                     <p:cond delay="0"/>
                                   </p:stCondLst>
                                   <p:childTnLst>
                                     <p:set>
                                       <p:cBhvr>
-                                        <p:cTn id="9" dur="1" fill="hold">
+                                        <p:cTn id="8" dur="1" fill="hold">
                                           <p:stCondLst>
                                             <p:cond delay="0"/>
                                           </p:stCondLst>
                                         </p:cTn>
                                         <p:tgtEl>
                                           <p:spTgt spid="4">
-                                            <p:txEl>
-                                              <p:pRg st="0" end="0"/>
-                                            </p:txEl>
+                                            <p:bg/>
                                           </p:spTgt>
                                         </p:tgtEl>
                                         <p:attrNameLst>
@@ -4996,9 +4985,53 @@
                                         <p:strVal val="visible"/>
                                       </p:to>
                                     </p:set>
-                                    <p:animEffect transition="in" filter="fade">
-                                      <p:cBhvr>
-                                        <p:cTn id="10" dur="500"/>
+                                  </p:childTnLst>
+                                </p:cTn>
+                              </p:par>
+                              <p:par>
+                                <p:cTn id="9" presetID="1" presetClass="entr" presetSubtype="0" fill="hold" grpId="0" nodeType="withEffect">
+                                  <p:stCondLst>
+                                    <p:cond delay="0"/>
+                                  </p:stCondLst>
+                                  <p:childTnLst>
+                                    <p:set>
+                                      <p:cBhvr>
+                                        <p:cTn id="10" dur="1" fill="hold">
+                                          <p:stCondLst>
+                                            <p:cond delay="0"/>
+                                          </p:stCondLst>
+                                        </p:cTn>
+                                        <p:tgtEl>
+                                          <p:spTgt spid="3">
+                                            <p:txEl>
+                                              <p:pRg st="0" end="0"/>
+                                            </p:txEl>
+                                          </p:spTgt>
+                                        </p:tgtEl>
+                                        <p:attrNameLst>
+                                          <p:attrName>style.visibility</p:attrName>
+                                        </p:attrNameLst>
+                                      </p:cBhvr>
+                                      <p:to>
+                                        <p:strVal val="visible"/>
+                                      </p:to>
+                                    </p:set>
+                                  </p:childTnLst>
+                                </p:cTn>
+                              </p:par>
+                              <p:par>
+                                <p:cTn id="11" presetID="1" presetClass="entr" presetSubtype="0" fill="hold" grpId="0" nodeType="withEffect">
+                                  <p:stCondLst>
+                                    <p:cond delay="0"/>
+                                  </p:stCondLst>
+                                  <p:childTnLst>
+                                    <p:set>
+                                      <p:cBhvr>
+                                        <p:cTn id="12" dur="1" fill="hold">
+                                          <p:stCondLst>
+                                            <p:cond delay="0"/>
+                                          </p:stCondLst>
+                                        </p:cTn>
                                         <p:tgtEl>
                                           <p:spTgt spid="4">
                                             <p:txEl>
@@ -5006,8 +5039,14 @@
                                             </p:txEl>
                                           </p:spTgt>
                                         </p:tgtEl>
-                                      </p:cBhvr>
-                                    </p:animEffect>
+                                        <p:attrNameLst>
+                                          <p:attrName>style.visibility</p:attrName>
+                                        </p:attrNameLst>
+                                      </p:cBhvr>
+                                      <p:to>
+                                        <p:strVal val="visible"/>
+                                      </p:to>
+                                    </p:set>
                                   </p:childTnLst>
                                 </p:cTn>
                               </p:par>
@@ -5018,26 +5057,26 @@
                     </p:cTn>
                   </p:par>
                   <p:par>
-                    <p:cTn id="11" fill="hold">
+                    <p:cTn id="13" fill="hold">
                       <p:stCondLst>
                         <p:cond delay="indefinite"/>
                       </p:stCondLst>
                       <p:childTnLst>
                         <p:par>
-                          <p:cTn id="12" fill="hold">
+                          <p:cTn id="14" fill="hold">
                             <p:stCondLst>
                               <p:cond delay="0"/>
                             </p:stCondLst>
                             <p:childTnLst>
                               <p:par>
-                                <p:cTn id="13" presetID="10" presetClass="entr" presetSubtype="0" fill="hold" grpId="0" nodeType="clickEffect">
+                                <p:cTn id="15" presetID="1" presetClass="entr" presetSubtype="0" fill="hold" grpId="0" nodeType="clickEffect">
                                   <p:stCondLst>
                                     <p:cond delay="0"/>
                                   </p:stCondLst>
                                   <p:childTnLst>
                                     <p:set>
                                       <p:cBhvr>
-                                        <p:cTn id="14" dur="1" fill="hold">
+                                        <p:cTn id="16" dur="1" fill="hold">
                                           <p:stCondLst>
                                             <p:cond delay="0"/>
                                           </p:stCondLst>
@@ -5057,30 +5096,18 @@
                                         <p:strVal val="visible"/>
                                       </p:to>
                                     </p:set>
-                                    <p:animEffect transition="in" filter="fade">
-                                      <p:cBhvr>
-                                        <p:cTn id="15" dur="500"/>
-                                        <p:tgtEl>
-                                          <p:spTgt spid="3">
-                                            <p:txEl>
-                                              <p:pRg st="1" end="1"/>
-                                            </p:txEl>
-                                          </p:spTgt>
-                                        </p:tgtEl>
-                                      </p:cBhvr>
-                                    </p:animEffect>
                                   </p:childTnLst>
                                 </p:cTn>
                               </p:par>
                               <p:par>
-                                <p:cTn id="16" presetID="10" presetClass="entr" presetSubtype="0" fill="hold" grpId="0" nodeType="withEffect">
+                                <p:cTn id="17" presetID="1" presetClass="entr" presetSubtype="0" fill="hold" grpId="0" nodeType="withEffect">
                                   <p:stCondLst>
                                     <p:cond delay="0"/>
                                   </p:stCondLst>
                                   <p:childTnLst>
                                     <p:set>
                                       <p:cBhvr>
-                                        <p:cTn id="17" dur="1" fill="hold">
+                                        <p:cTn id="18" dur="1" fill="hold">
                                           <p:stCondLst>
                                             <p:cond delay="0"/>
                                           </p:stCondLst>
@@ -5100,18 +5127,6 @@
                                         <p:strVal val="visible"/>
                                       </p:to>
                                     </p:set>
-                                    <p:animEffect transition="in" filter="fade">
-                                      <p:cBhvr>
-                                        <p:cTn id="18" dur="500"/>
-                                        <p:tgtEl>
-                                          <p:spTgt spid="4">
-                                            <p:txEl>
-                                              <p:pRg st="1" end="1"/>
-                                            </p:txEl>
-                                          </p:spTgt>
-                                        </p:tgtEl>
-                                      </p:cBhvr>
-                                    </p:animEffect>
                                   </p:childTnLst>
                                 </p:cTn>
                               </p:par>
@@ -5134,7 +5149,7 @@
                             </p:stCondLst>
                             <p:childTnLst>
                               <p:par>
-                                <p:cTn id="21" presetID="10" presetClass="entr" presetSubtype="0" fill="hold" grpId="0" nodeType="clickEffect">
+                                <p:cTn id="21" presetID="1" presetClass="entr" presetSubtype="0" fill="hold" grpId="0" nodeType="clickEffect">
                                   <p:stCondLst>
                                     <p:cond delay="0"/>
                                   </p:stCondLst>
@@ -5161,30 +5176,18 @@
                                         <p:strVal val="visible"/>
                                       </p:to>
                                     </p:set>
-                                    <p:animEffect transition="in" filter="fade">
-                                      <p:cBhvr>
-                                        <p:cTn id="23" dur="500"/>
-                                        <p:tgtEl>
-                                          <p:spTgt spid="3">
-                                            <p:txEl>
-                                              <p:pRg st="2" end="2"/>
-                                            </p:txEl>
-                                          </p:spTgt>
-                                        </p:tgtEl>
-                                      </p:cBhvr>
-                                    </p:animEffect>
                                   </p:childTnLst>
                                 </p:cTn>
                               </p:par>
                               <p:par>
-                                <p:cTn id="24" presetID="10" presetClass="entr" presetSubtype="0" fill="hold" grpId="0" nodeType="withEffect">
+                                <p:cTn id="23" presetID="1" presetClass="entr" presetSubtype="0" fill="hold" grpId="0" nodeType="withEffect">
                                   <p:stCondLst>
                                     <p:cond delay="0"/>
                                   </p:stCondLst>
                                   <p:childTnLst>
                                     <p:set>
                                       <p:cBhvr>
-                                        <p:cTn id="25" dur="1" fill="hold">
+                                        <p:cTn id="24" dur="1" fill="hold">
                                           <p:stCondLst>
                                             <p:cond delay="0"/>
                                           </p:stCondLst>
@@ -5204,18 +5207,6 @@
                                         <p:strVal val="visible"/>
                                       </p:to>
                                     </p:set>
-                                    <p:animEffect transition="in" filter="fade">
-                                      <p:cBhvr>
-                                        <p:cTn id="26" dur="500"/>
-                                        <p:tgtEl>
-                                          <p:spTgt spid="4">
-                                            <p:txEl>
-                                              <p:pRg st="2" end="2"/>
-                                            </p:txEl>
-                                          </p:spTgt>
-                                        </p:tgtEl>
-                                      </p:cBhvr>
-                                    </p:animEffect>
                                   </p:childTnLst>
                                 </p:cTn>
                               </p:par>
@@ -5226,32 +5217,63 @@
                     </p:cTn>
                   </p:par>
                   <p:par>
-                    <p:cTn id="27" fill="hold">
+                    <p:cTn id="25" fill="hold">
                       <p:stCondLst>
                         <p:cond delay="indefinite"/>
                       </p:stCondLst>
                       <p:childTnLst>
                         <p:par>
-                          <p:cTn id="28" fill="hold">
+                          <p:cTn id="26" fill="hold">
                             <p:stCondLst>
                               <p:cond delay="0"/>
                             </p:stCondLst>
                             <p:childTnLst>
                               <p:par>
-                                <p:cTn id="29" presetID="10" presetClass="entr" presetSubtype="0" fill="hold" grpId="0" nodeType="clickEffect">
+                                <p:cTn id="27" presetID="1" presetClass="entr" presetSubtype="0" fill="hold" grpId="0" nodeType="clickEffect">
                                   <p:stCondLst>
                                     <p:cond delay="0"/>
                                   </p:stCondLst>
                                   <p:childTnLst>
                                     <p:set>
                                       <p:cBhvr>
+                                        <p:cTn id="28" dur="1" fill="hold">
+                                          <p:stCondLst>
+                                            <p:cond delay="0"/>
+                                          </p:stCondLst>
+                                        </p:cTn>
+                                        <p:tgtEl>
+                                          <p:spTgt spid="3">
+                                            <p:txEl>
+                                              <p:pRg st="3" end="3"/>
+                                            </p:txEl>
+                                          </p:spTgt>
+                                        </p:tgtEl>
+                                        <p:attrNameLst>
+                                          <p:attrName>style.visibility</p:attrName>
+                                        </p:attrNameLst>
+                                      </p:cBhvr>
+                                      <p:to>
+                                        <p:strVal val="visible"/>
+                                      </p:to>
+                                    </p:set>
+                                  </p:childTnLst>
+                                </p:cTn>
+                              </p:par>
+                              <p:par>
+                                <p:cTn id="29" presetID="1" presetClass="entr" presetSubtype="0" fill="hold" grpId="0" nodeType="withEffect">
+                                  <p:stCondLst>
+                                    <p:cond delay="0"/>
+                                  </p:stCondLst>
+                                  <p:childTnLst>
+                                    <p:set>
+                                      <p:cBhvr>
                                         <p:cTn id="30" dur="1" fill="hold">
                                           <p:stCondLst>
                                             <p:cond delay="0"/>
                                           </p:stCondLst>
                                         </p:cTn>
                                         <p:tgtEl>
-                                          <p:spTgt spid="3">
+                                          <p:spTgt spid="4">
                                             <p:txEl>
                                               <p:pRg st="3" end="3"/>
                                             </p:txEl>
@@ -5265,61 +5287,6 @@
                                         <p:strVal val="visible"/>
                                       </p:to>
                                     </p:set>
-                                    <p:animEffect transition="in" filter="fade">
-                                      <p:cBhvr>
-                                        <p:cTn id="31" dur="500"/>
-                                        <p:tgtEl>
-                                          <p:spTgt spid="3">
-                                            <p:txEl>
-                                              <p:pRg st="3" end="3"/>
-                                            </p:txEl>
-                                          </p:spTgt>
-                                        </p:tgtEl>
-                                      </p:cBhvr>
-                                    </p:animEffect>
-                                  </p:childTnLst>
-                                </p:cTn>
-                              </p:par>
-                              <p:par>
-                                <p:cTn id="32" presetID="10" presetClass="entr" presetSubtype="0" fill="hold" grpId="0" nodeType="withEffect">
-                                  <p:stCondLst>
-                                    <p:cond delay="0"/>
-                                  </p:stCondLst>
-                                  <p:childTnLst>
-                                    <p:set>
-                                      <p:cBhvr>
-                                        <p:cTn id="33" dur="1" fill="hold">
-                                          <p:stCondLst>
-                                            <p:cond delay="0"/>
-                                          </p:stCondLst>
-                                        </p:cTn>
-                                        <p:tgtEl>
-                                          <p:spTgt spid="4">
-                                            <p:txEl>
-                                              <p:pRg st="3" end="3"/>
-                                            </p:txEl>
-                                          </p:spTgt>
-                                        </p:tgtEl>
-                                        <p:attrNameLst>
-                                          <p:attrName>style.visibility</p:attrName>
-                                        </p:attrNameLst>
-                                      </p:cBhvr>
-                                      <p:to>
-                                        <p:strVal val="visible"/>
-                                      </p:to>
-                                    </p:set>
-                                    <p:animEffect transition="in" filter="fade">
-                                      <p:cBhvr>
-                                        <p:cTn id="34" dur="500"/>
-                                        <p:tgtEl>
-                                          <p:spTgt spid="4">
-                                            <p:txEl>
-                                              <p:pRg st="3" end="3"/>
-                                            </p:txEl>
-                                          </p:spTgt>
-                                        </p:tgtEl>
-                                      </p:cBhvr>
-                                    </p:animEffect>
                                   </p:childTnLst>
                                 </p:cTn>
                               </p:par>
@@ -5330,26 +5297,26 @@
                     </p:cTn>
                   </p:par>
                   <p:par>
-                    <p:cTn id="35" fill="hold">
+                    <p:cTn id="31" fill="hold">
                       <p:stCondLst>
                         <p:cond delay="indefinite"/>
                       </p:stCondLst>
                       <p:childTnLst>
                         <p:par>
-                          <p:cTn id="36" fill="hold">
+                          <p:cTn id="32" fill="hold">
                             <p:stCondLst>
                               <p:cond delay="0"/>
                             </p:stCondLst>
                             <p:childTnLst>
                               <p:par>
-                                <p:cTn id="37" presetID="10" presetClass="entr" presetSubtype="0" fill="hold" grpId="0" nodeType="clickEffect">
+                                <p:cTn id="33" presetID="1" presetClass="entr" presetSubtype="0" fill="hold" grpId="0" nodeType="clickEffect">
                                   <p:stCondLst>
                                     <p:cond delay="0"/>
                                   </p:stCondLst>
                                   <p:childTnLst>
                                     <p:set>
                                       <p:cBhvr>
-                                        <p:cTn id="38" dur="1" fill="hold">
+                                        <p:cTn id="34" dur="1" fill="hold">
                                           <p:stCondLst>
                                             <p:cond delay="0"/>
                                           </p:stCondLst>
@@ -5369,30 +5336,18 @@
                                         <p:strVal val="visible"/>
                                       </p:to>
                                     </p:set>
-                                    <p:animEffect transition="in" filter="fade">
-                                      <p:cBhvr>
-                                        <p:cTn id="39" dur="500"/>
-                                        <p:tgtEl>
-                                          <p:spTgt spid="3">
-                                            <p:txEl>
-                                              <p:pRg st="5" end="5"/>
-                                            </p:txEl>
-                                          </p:spTgt>
-                                        </p:tgtEl>
-                                      </p:cBhvr>
-                                    </p:animEffect>
                                   </p:childTnLst>
                                 </p:cTn>
                               </p:par>
                               <p:par>
-                                <p:cTn id="40" presetID="10" presetClass="entr" presetSubtype="0" fill="hold" grpId="0" nodeType="withEffect">
+                                <p:cTn id="35" presetID="1" presetClass="entr" presetSubtype="0" fill="hold" grpId="0" nodeType="withEffect">
                                   <p:stCondLst>
                                     <p:cond delay="0"/>
                                   </p:stCondLst>
                                   <p:childTnLst>
                                     <p:set>
                                       <p:cBhvr>
-                                        <p:cTn id="41" dur="1" fill="hold">
+                                        <p:cTn id="36" dur="1" fill="hold">
                                           <p:stCondLst>
                                             <p:cond delay="0"/>
                                           </p:stCondLst>
@@ -5412,18 +5367,6 @@
                                         <p:strVal val="visible"/>
                                       </p:to>
                                     </p:set>
-                                    <p:animEffect transition="in" filter="fade">
-                                      <p:cBhvr>
-                                        <p:cTn id="42" dur="500"/>
-                                        <p:tgtEl>
-                                          <p:spTgt spid="4">
-                                            <p:txEl>
-                                              <p:pRg st="4" end="4"/>
-                                            </p:txEl>
-                                          </p:spTgt>
-                                        </p:tgtEl>
-                                      </p:cBhvr>
-                                    </p:animEffect>
                                   </p:childTnLst>
                                 </p:cTn>
                               </p:par>
@@ -5434,26 +5377,26 @@
                     </p:cTn>
                   </p:par>
                   <p:par>
-                    <p:cTn id="43" fill="hold">
+                    <p:cTn id="37" fill="hold">
                       <p:stCondLst>
                         <p:cond delay="indefinite"/>
                       </p:stCondLst>
                       <p:childTnLst>
                         <p:par>
-                          <p:cTn id="44" fill="hold">
+                          <p:cTn id="38" fill="hold">
                             <p:stCondLst>
                               <p:cond delay="0"/>
                             </p:stCondLst>
                             <p:childTnLst>
                               <p:par>
-                                <p:cTn id="45" presetID="10" presetClass="entr" presetSubtype="0" fill="hold" grpId="0" nodeType="clickEffect">
+                                <p:cTn id="39" presetID="1" presetClass="entr" presetSubtype="0" fill="hold" grpId="0" nodeType="clickEffect">
                                   <p:stCondLst>
                                     <p:cond delay="0"/>
                                   </p:stCondLst>
                                   <p:childTnLst>
                                     <p:set>
                                       <p:cBhvr>
-                                        <p:cTn id="46" dur="1" fill="hold">
+                                        <p:cTn id="40" dur="1" fill="hold">
                                           <p:stCondLst>
                                             <p:cond delay="0"/>
                                           </p:stCondLst>
@@ -5473,30 +5416,18 @@
                                         <p:strVal val="visible"/>
                                       </p:to>
                                     </p:set>
-                                    <p:animEffect transition="in" filter="fade">
-                                      <p:cBhvr>
-                                        <p:cTn id="47" dur="500"/>
-                                        <p:tgtEl>
-                                          <p:spTgt spid="3">
-                                            <p:txEl>
-                                              <p:pRg st="7" end="7"/>
-                                            </p:txEl>
-                                          </p:spTgt>
-                                        </p:tgtEl>
-                                      </p:cBhvr>
-                                    </p:animEffect>
                                   </p:childTnLst>
                                 </p:cTn>
                               </p:par>
                               <p:par>
-                                <p:cTn id="48" presetID="10" presetClass="entr" presetSubtype="0" fill="hold" grpId="0" nodeType="withEffect">
+                                <p:cTn id="41" presetID="1" presetClass="entr" presetSubtype="0" fill="hold" grpId="0" nodeType="withEffect">
                                   <p:stCondLst>
                                     <p:cond delay="0"/>
                                   </p:stCondLst>
                                   <p:childTnLst>
                                     <p:set>
                                       <p:cBhvr>
-                                        <p:cTn id="49" dur="1" fill="hold">
+                                        <p:cTn id="42" dur="1" fill="hold">
                                           <p:stCondLst>
                                             <p:cond delay="0"/>
                                           </p:stCondLst>
@@ -5516,18 +5447,6 @@
                                         <p:strVal val="visible"/>
                                       </p:to>
                                     </p:set>
-                                    <p:animEffect transition="in" filter="fade">
-                                      <p:cBhvr>
-                                        <p:cTn id="50" dur="500"/>
-                                        <p:tgtEl>
-                                          <p:spTgt spid="4">
-                                            <p:txEl>
-                                              <p:pRg st="5" end="5"/>
-                                            </p:txEl>
-                                          </p:spTgt>
-                                        </p:tgtEl>
-                                      </p:cBhvr>
-                                    </p:animEffect>
                                   </p:childTnLst>
                                 </p:cTn>
                               </p:par>
@@ -5559,8 +5478,8 @@
       </p:par>
     </p:tnLst>
     <p:bldLst>
-      <p:bldP spid="3" grpId="0" uiExpand="1" build="p"/>
-      <p:bldP spid="4" grpId="0" uiExpand="1" build="p"/>
+      <p:bldP spid="3" grpId="0" uiExpand="1" build="p" animBg="1"/>
+      <p:bldP spid="4" grpId="0" uiExpand="1" build="p" animBg="1"/>
     </p:bldLst>
   </p:timing>
 </p:sld>
@@ -5852,7 +5771,6 @@
               <a:rPr lang="fr-FR" dirty="0" smtClean="0"/>
               <a:t>Best choice to invest :</a:t>
             </a:r>
-            <a:endParaRPr lang="fr-FR" dirty="0" smtClean="0"/>
           </a:p>
           <a:p>
             <a:pPr marL="0" indent="0">
@@ -12075,7 +11993,15 @@
             </a:r>
             <a:r>
               <a:rPr lang="fr-FR" dirty="0" smtClean="0"/>
-              <a:t>aura 2n </a:t>
+              <a:t>aura 2</a:t>
+            </a:r>
+            <a:r>
+              <a:rPr lang="fr-FR" baseline="30000" dirty="0" smtClean="0"/>
+              <a:t>n</a:t>
+            </a:r>
+            <a:r>
+              <a:rPr lang="fr-FR" dirty="0" smtClean="0"/>
+              <a:t> </a:t>
             </a:r>
             <a:r>
               <a:rPr lang="fr-FR" dirty="0"/>
@@ -12274,10 +12200,6 @@
               <a:rPr lang="fr-FR" dirty="0" smtClean="0"/>
               <a:t>Algorithme de force brute</a:t>
             </a:r>
-            <a:r>
-              <a:rPr lang="fr-FR" dirty="0" smtClean="0"/>
-              <a:t/>
-            </a:r>
             <a:br>
               <a:rPr lang="fr-FR" dirty="0" smtClean="0"/>
             </a:br>
@@ -12508,10 +12430,6 @@
             <a:r>
               <a:rPr lang="fr-FR" dirty="0" smtClean="0"/>
               <a:t>Algorithme de force brute</a:t>
-            </a:r>
-            <a:r>
-              <a:rPr lang="fr-FR" dirty="0" smtClean="0"/>
-              <a:t/>
             </a:r>
             <a:br>
               <a:rPr lang="fr-FR" dirty="0" smtClean="0"/>
@@ -13093,7 +13011,7 @@
                             </p:stCondLst>
                             <p:childTnLst>
                               <p:par>
-                                <p:cTn id="10" presetID="10" presetClass="entr" presetSubtype="0" fill="hold" grpId="0" nodeType="clickEffect">
+                                <p:cTn id="10" presetID="1" presetClass="entr" presetSubtype="0" fill="hold" grpId="0" nodeType="clickEffect">
                                   <p:stCondLst>
                                     <p:cond delay="0"/>
                                   </p:stCondLst>
@@ -13107,9 +13025,7 @@
                                         </p:cTn>
                                         <p:tgtEl>
                                           <p:spTgt spid="4">
-                                            <p:txEl>
-                                              <p:pRg st="0" end="0"/>
-                                            </p:txEl>
+                                            <p:bg/>
                                           </p:spTgt>
                                         </p:tgtEl>
                                         <p:attrNameLst>
@@ -13120,9 +13036,22 @@
                                         <p:strVal val="visible"/>
                                       </p:to>
                                     </p:set>
-                                    <p:animEffect transition="in" filter="fade">
-                                      <p:cBhvr>
-                                        <p:cTn id="12" dur="500"/>
+                                  </p:childTnLst>
+                                </p:cTn>
+                              </p:par>
+                              <p:par>
+                                <p:cTn id="12" presetID="1" presetClass="entr" presetSubtype="0" fill="hold" grpId="0" nodeType="withEffect">
+                                  <p:stCondLst>
+                                    <p:cond delay="0"/>
+                                  </p:stCondLst>
+                                  <p:childTnLst>
+                                    <p:set>
+                                      <p:cBhvr>
+                                        <p:cTn id="13" dur="1" fill="hold">
+                                          <p:stCondLst>
+                                            <p:cond delay="0"/>
+                                          </p:stCondLst>
+                                        </p:cTn>
                                         <p:tgtEl>
                                           <p:spTgt spid="4">
                                             <p:txEl>
@@ -13130,8 +13059,14 @@
                                             </p:txEl>
                                           </p:spTgt>
                                         </p:tgtEl>
-                                      </p:cBhvr>
-                                    </p:animEffect>
+                                        <p:attrNameLst>
+                                          <p:attrName>style.visibility</p:attrName>
+                                        </p:attrNameLst>
+                                      </p:cBhvr>
+                                      <p:to>
+                                        <p:strVal val="visible"/>
+                                      </p:to>
+                                    </p:set>
                                   </p:childTnLst>
                                 </p:cTn>
                               </p:par>
@@ -13142,26 +13077,26 @@
                     </p:cTn>
                   </p:par>
                   <p:par>
-                    <p:cTn id="13" fill="hold">
+                    <p:cTn id="14" fill="hold">
                       <p:stCondLst>
                         <p:cond delay="indefinite"/>
                       </p:stCondLst>
                       <p:childTnLst>
                         <p:par>
-                          <p:cTn id="14" fill="hold">
+                          <p:cTn id="15" fill="hold">
                             <p:stCondLst>
                               <p:cond delay="0"/>
                             </p:stCondLst>
                             <p:childTnLst>
                               <p:par>
-                                <p:cTn id="15" presetID="10" presetClass="entr" presetSubtype="0" fill="hold" grpId="0" nodeType="clickEffect">
+                                <p:cTn id="16" presetID="1" presetClass="entr" presetSubtype="0" fill="hold" grpId="0" nodeType="clickEffect">
                                   <p:stCondLst>
                                     <p:cond delay="0"/>
                                   </p:stCondLst>
                                   <p:childTnLst>
                                     <p:set>
                                       <p:cBhvr>
-                                        <p:cTn id="16" dur="1" fill="hold">
+                                        <p:cTn id="17" dur="1" fill="hold">
                                           <p:stCondLst>
                                             <p:cond delay="0"/>
                                           </p:stCondLst>
@@ -13181,18 +13116,6 @@
                                         <p:strVal val="visible"/>
                                       </p:to>
                                     </p:set>
-                                    <p:animEffect transition="in" filter="fade">
-                                      <p:cBhvr>
-                                        <p:cTn id="17" dur="500"/>
-                                        <p:tgtEl>
-                                          <p:spTgt spid="4">
-                                            <p:txEl>
-                                              <p:pRg st="1" end="1"/>
-                                            </p:txEl>
-                                          </p:spTgt>
-                                        </p:tgtEl>
-                                      </p:cBhvr>
-                                    </p:animEffect>
                                   </p:childTnLst>
                                 </p:cTn>
                               </p:par>
@@ -13215,7 +13138,7 @@
                             </p:stCondLst>
                             <p:childTnLst>
                               <p:par>
-                                <p:cTn id="20" presetID="10" presetClass="entr" presetSubtype="0" fill="hold" grpId="0" nodeType="clickEffect">
+                                <p:cTn id="20" presetID="1" presetClass="entr" presetSubtype="0" fill="hold" grpId="0" nodeType="clickEffect">
                                   <p:stCondLst>
                                     <p:cond delay="0"/>
                                   </p:stCondLst>
@@ -13242,18 +13165,6 @@
                                         <p:strVal val="visible"/>
                                       </p:to>
                                     </p:set>
-                                    <p:animEffect transition="in" filter="fade">
-                                      <p:cBhvr>
-                                        <p:cTn id="22" dur="500"/>
-                                        <p:tgtEl>
-                                          <p:spTgt spid="4">
-                                            <p:txEl>
-                                              <p:pRg st="2" end="2"/>
-                                            </p:txEl>
-                                          </p:spTgt>
-                                        </p:tgtEl>
-                                      </p:cBhvr>
-                                    </p:animEffect>
                                   </p:childTnLst>
                                 </p:cTn>
                               </p:par>
@@ -13264,26 +13175,26 @@
                     </p:cTn>
                   </p:par>
                   <p:par>
-                    <p:cTn id="23" fill="hold">
+                    <p:cTn id="22" fill="hold">
                       <p:stCondLst>
                         <p:cond delay="indefinite"/>
                       </p:stCondLst>
                       <p:childTnLst>
                         <p:par>
-                          <p:cTn id="24" fill="hold">
+                          <p:cTn id="23" fill="hold">
                             <p:stCondLst>
                               <p:cond delay="0"/>
                             </p:stCondLst>
                             <p:childTnLst>
                               <p:par>
-                                <p:cTn id="25" presetID="10" presetClass="entr" presetSubtype="0" fill="hold" grpId="0" nodeType="clickEffect">
+                                <p:cTn id="24" presetID="1" presetClass="entr" presetSubtype="0" fill="hold" grpId="0" nodeType="clickEffect">
                                   <p:stCondLst>
                                     <p:cond delay="0"/>
                                   </p:stCondLst>
                                   <p:childTnLst>
                                     <p:set>
                                       <p:cBhvr>
-                                        <p:cTn id="26" dur="1" fill="hold">
+                                        <p:cTn id="25" dur="1" fill="hold">
                                           <p:stCondLst>
                                             <p:cond delay="0"/>
                                           </p:stCondLst>
@@ -13303,18 +13214,6 @@
                                         <p:strVal val="visible"/>
                                       </p:to>
                                     </p:set>
-                                    <p:animEffect transition="in" filter="fade">
-                                      <p:cBhvr>
-                                        <p:cTn id="27" dur="500"/>
-                                        <p:tgtEl>
-                                          <p:spTgt spid="4">
-                                            <p:txEl>
-                                              <p:pRg st="3" end="3"/>
-                                            </p:txEl>
-                                          </p:spTgt>
-                                        </p:tgtEl>
-                                      </p:cBhvr>
-                                    </p:animEffect>
                                   </p:childTnLst>
                                 </p:cTn>
                               </p:par>
@@ -13346,7 +13245,7 @@
       </p:par>
     </p:tnLst>
     <p:bldLst>
-      <p:bldP spid="4" grpId="0" build="p"/>
+      <p:bldP spid="4" grpId="0" uiExpand="1" build="p" animBg="1"/>
     </p:bldLst>
   </p:timing>
 </p:sld>
@@ -15170,13 +15069,8 @@
             <a:pPr lvl="1"/>
             <a:r>
               <a:rPr lang="fr-FR" dirty="0" smtClean="0"/>
-              <a:t>Pour </a:t>
-            </a:r>
-            <a:r>
-              <a:rPr lang="fr-FR" dirty="0" smtClean="0"/>
-              <a:t>un investissement max de 500, pour 2000 actions, le temps d’exécutions passe à 0.43783068656921387 s (soit 1,59x plus)</a:t>
-            </a:r>
-            <a:endParaRPr lang="fr-FR" dirty="0" smtClean="0"/>
+              <a:t>Pour un investissement max de 500, pour 2000 actions, le temps d’exécutions passe à 0.43783068656921387 s (soit 1,59x plus)</a:t>
+            </a:r>
           </a:p>
           <a:p>
             <a:pPr lvl="1"/>

--- a/AlgoInvest&Trade.pptx
+++ b/AlgoInvest&Trade.pptx
@@ -210,7 +210,7 @@
           <a:p>
             <a:fld id="{BCB9BB37-B89F-4B06-BD1C-05CA20379372}" type="datetimeFigureOut">
               <a:rPr lang="fr-FR" smtClean="0"/>
-              <a:t>06/09/2021</a:t>
+              <a:t>07/09/2021</a:t>
             </a:fld>
             <a:endParaRPr lang="fr-FR" dirty="0"/>
           </a:p>
@@ -562,6 +562,223 @@
 </p:notes>
 </file>
 
+<file path=ppt/notesSlides/notesSlide10.xml><?xml version="1.0" encoding="utf-8"?>
+<p:notes xmlns:a="http://schemas.openxmlformats.org/drawingml/2006/main" xmlns:r="http://schemas.openxmlformats.org/officeDocument/2006/relationships" xmlns:p="http://schemas.openxmlformats.org/presentationml/2006/main">
+  <p:cSld>
+    <p:spTree>
+      <p:nvGrpSpPr>
+        <p:cNvPr id="1" name=""/>
+        <p:cNvGrpSpPr/>
+        <p:nvPr/>
+      </p:nvGrpSpPr>
+      <p:grpSpPr>
+        <a:xfrm>
+          <a:off x="0" y="0"/>
+          <a:ext cx="0" cy="0"/>
+          <a:chOff x="0" y="0"/>
+          <a:chExt cx="0" cy="0"/>
+        </a:xfrm>
+      </p:grpSpPr>
+      <p:sp>
+        <p:nvSpPr>
+          <p:cNvPr id="2" name="Espace réservé de l'image des diapositives 1"/>
+          <p:cNvSpPr>
+            <a:spLocks noGrp="1" noRot="1" noChangeAspect="1"/>
+          </p:cNvSpPr>
+          <p:nvPr>
+            <p:ph type="sldImg"/>
+          </p:nvPr>
+        </p:nvSpPr>
+        <p:spPr/>
+      </p:sp>
+      <p:sp>
+        <p:nvSpPr>
+          <p:cNvPr id="3" name="Espace réservé des notes 2"/>
+          <p:cNvSpPr>
+            <a:spLocks noGrp="1"/>
+          </p:cNvSpPr>
+          <p:nvPr>
+            <p:ph type="body" idx="1"/>
+          </p:nvPr>
+        </p:nvSpPr>
+        <p:spPr/>
+        <p:txBody>
+          <a:bodyPr/>
+          <a:lstStyle/>
+          <a:p>
+            <a:r>
+              <a:rPr lang="fr-FR" dirty="0" smtClean="0"/>
+              <a:t>Mon résultat :  40,356%</a:t>
+            </a:r>
+          </a:p>
+          <a:p>
+            <a:r>
+              <a:rPr lang="fr-FR" dirty="0" smtClean="0"/>
+              <a:t>Sienna :  39,608%</a:t>
+            </a:r>
+          </a:p>
+          <a:p>
+            <a:endParaRPr lang="fr-FR" dirty="0" smtClean="0"/>
+          </a:p>
+          <a:p>
+            <a:r>
+              <a:rPr lang="fr-FR" dirty="0" smtClean="0"/>
+              <a:t>Mon rendement est supérieur à celui de Sienna, de presque</a:t>
+            </a:r>
+            <a:r>
+              <a:rPr lang="fr-FR" baseline="0" dirty="0" smtClean="0"/>
+              <a:t> 1%. Cependant, c’est toujours l’histoire de </a:t>
+            </a:r>
+            <a:r>
+              <a:rPr lang="fr-FR" baseline="0" dirty="0" err="1" smtClean="0"/>
+              <a:t>savoire</a:t>
+            </a:r>
+            <a:r>
+              <a:rPr lang="fr-FR" baseline="0" dirty="0" smtClean="0"/>
+              <a:t> si on veut un meilleure pourcentage de rendement, au prix d’avoir un peux moins de liquidité à la fin ou non.</a:t>
+            </a:r>
+          </a:p>
+          <a:p>
+            <a:r>
+              <a:rPr lang="fr-FR" baseline="0" dirty="0" smtClean="0"/>
+              <a:t>Dans mon approche, je parie sur la rentabilité en pourcentage, sans pour autant écarter les petits prix, qui pourrait effectivement revoir à la baisse le meilleure rendement (0,005% sur le dataset1)</a:t>
+            </a:r>
+          </a:p>
+          <a:p>
+            <a:endParaRPr lang="fr-FR" dirty="0" smtClean="0"/>
+          </a:p>
+          <a:p>
+            <a:r>
+              <a:rPr lang="fr-FR" dirty="0" smtClean="0"/>
+              <a:t>Share-GEBJ -- price :   5.87 € -- profit :   2.23 €</a:t>
+            </a:r>
+          </a:p>
+          <a:p>
+            <a:r>
+              <a:rPr lang="fr-FR" dirty="0" smtClean="0"/>
+              <a:t>Share-LFXB -- price :  14.83 € -- profit :   5.90 €</a:t>
+            </a:r>
+          </a:p>
+          <a:p>
+            <a:r>
+              <a:rPr lang="fr-FR" dirty="0" smtClean="0"/>
+              <a:t>Share-FWBE -- price :  18.31 € -- profit :   7.29 €</a:t>
+            </a:r>
+          </a:p>
+          <a:p>
+            <a:r>
+              <a:rPr lang="fr-FR" dirty="0" smtClean="0"/>
+              <a:t>Share-HATC -- price :  43.45 € -- profit :  14.83 €</a:t>
+            </a:r>
+          </a:p>
+          <a:p>
+            <a:r>
+              <a:rPr lang="fr-FR" dirty="0" smtClean="0"/>
+              <a:t>Share-FWMV -- price :  41.68 € -- profit :  14.92 €</a:t>
+            </a:r>
+          </a:p>
+          <a:p>
+            <a:r>
+              <a:rPr lang="fr-FR" dirty="0" smtClean="0"/>
+              <a:t>Share-OPBR -- price :  39.00 € -- profit :  15.19 €</a:t>
+            </a:r>
+          </a:p>
+          <a:p>
+            <a:r>
+              <a:rPr lang="fr-FR" dirty="0" smtClean="0"/>
+              <a:t>Share-MALJ -- price :  46.37 € -- profit :  15.25 €</a:t>
+            </a:r>
+          </a:p>
+          <a:p>
+            <a:r>
+              <a:rPr lang="fr-FR" dirty="0" smtClean="0"/>
+              <a:t>Share-ANFX -- price :  38.55 € -- profit :  15.31 €</a:t>
+            </a:r>
+          </a:p>
+          <a:p>
+            <a:r>
+              <a:rPr lang="fr-FR" dirty="0" smtClean="0"/>
+              <a:t>Share-IJFT -- price :  40.91 € -- profit :  15.91 €</a:t>
+            </a:r>
+          </a:p>
+          <a:p>
+            <a:r>
+              <a:rPr lang="fr-FR" dirty="0" smtClean="0"/>
+              <a:t>Share-DLNE -- price :  44.06 € -- profit :  16.19 €</a:t>
+            </a:r>
+          </a:p>
+          <a:p>
+            <a:r>
+              <a:rPr lang="fr-FR" dirty="0" smtClean="0"/>
+              <a:t>Share-QEVK -- price :  49.77 € -- profit :  17.11 €</a:t>
+            </a:r>
+          </a:p>
+          <a:p>
+            <a:r>
+              <a:rPr lang="fr-FR" dirty="0" smtClean="0"/>
+              <a:t>Share-MBQU -- price :  51.46 € -- profit :  18.41 €</a:t>
+            </a:r>
+          </a:p>
+          <a:p>
+            <a:r>
+              <a:rPr lang="fr-FR" dirty="0" smtClean="0"/>
+              <a:t>Share-JWGF -- price :  48.69 € -- profit :  19.44 €</a:t>
+            </a:r>
+          </a:p>
+          <a:p>
+            <a:endParaRPr lang="fr-FR" dirty="0" smtClean="0"/>
+          </a:p>
+          <a:p>
+            <a:r>
+              <a:rPr lang="fr-FR" dirty="0" smtClean="0"/>
+              <a:t>Total cost: 482.95 €</a:t>
+            </a:r>
+          </a:p>
+          <a:p>
+            <a:r>
+              <a:rPr lang="fr-FR" dirty="0" smtClean="0"/>
+              <a:t>Total return: 194.90 €</a:t>
+            </a:r>
+            <a:endParaRPr lang="fr-FR" dirty="0"/>
+          </a:p>
+        </p:txBody>
+      </p:sp>
+      <p:sp>
+        <p:nvSpPr>
+          <p:cNvPr id="4" name="Espace réservé du numéro de diapositive 3"/>
+          <p:cNvSpPr>
+            <a:spLocks noGrp="1"/>
+          </p:cNvSpPr>
+          <p:nvPr>
+            <p:ph type="sldNum" sz="quarter" idx="10"/>
+          </p:nvPr>
+        </p:nvSpPr>
+        <p:spPr/>
+        <p:txBody>
+          <a:bodyPr/>
+          <a:lstStyle/>
+          <a:p>
+            <a:fld id="{655DF528-A856-4F2D-9893-8AD5F52BF246}" type="slidenum">
+              <a:rPr lang="fr-FR" smtClean="0"/>
+              <a:t>13</a:t>
+            </a:fld>
+            <a:endParaRPr lang="fr-FR" dirty="0"/>
+          </a:p>
+        </p:txBody>
+      </p:sp>
+    </p:spTree>
+    <p:extLst>
+      <p:ext uri="{BB962C8B-B14F-4D97-AF65-F5344CB8AC3E}">
+        <p14:creationId xmlns:p14="http://schemas.microsoft.com/office/powerpoint/2010/main" val="1867505191"/>
+      </p:ext>
+    </p:extLst>
+  </p:cSld>
+  <p:clrMapOvr>
+    <a:masterClrMapping/>
+  </p:clrMapOvr>
+</p:notes>
+</file>
+
 <file path=ppt/notesSlides/notesSlide2.xml><?xml version="1.0" encoding="utf-8"?>
 <p:notes xmlns:a="http://schemas.openxmlformats.org/drawingml/2006/main" xmlns:r="http://schemas.openxmlformats.org/officeDocument/2006/relationships" xmlns:p="http://schemas.openxmlformats.org/presentationml/2006/main">
   <p:cSld>
@@ -788,66 +1005,6 @@
           <a:bodyPr/>
           <a:lstStyle/>
           <a:p>
-            <a:r>
-              <a:rPr lang="fr-FR" dirty="0" smtClean="0"/>
-              <a:t>L’idée est</a:t>
-            </a:r>
-            <a:r>
-              <a:rPr lang="fr-FR" baseline="0" dirty="0" smtClean="0"/>
-              <a:t> de factoriser les calculs pour éviter de les faire trop de fois. </a:t>
-            </a:r>
-          </a:p>
-          <a:p>
-            <a:endParaRPr lang="fr-FR" baseline="0" dirty="0" smtClean="0"/>
-          </a:p>
-          <a:p>
-            <a:r>
-              <a:rPr lang="fr-FR" baseline="0" dirty="0" smtClean="0"/>
-              <a:t>Pour l’action 1, la valeur max est obtenue dans le portefeuille</a:t>
-            </a:r>
-          </a:p>
-          <a:p>
-            <a:endParaRPr lang="fr-FR" baseline="0" dirty="0" smtClean="0"/>
-          </a:p>
-          <a:p>
-            <a:pPr marL="0" marR="0" lvl="0" indent="0" algn="l" defTabSz="914400" rtl="0" eaLnBrk="1" fontAlgn="auto" latinLnBrk="0" hangingPunct="1">
-              <a:lnSpc>
-                <a:spcPct val="100000"/>
-              </a:lnSpc>
-              <a:spcBef>
-                <a:spcPts val="0"/>
-              </a:spcBef>
-              <a:spcAft>
-                <a:spcPts val="0"/>
-              </a:spcAft>
-              <a:buClrTx/>
-              <a:buSzTx/>
-              <a:buFontTx/>
-              <a:buNone/>
-              <a:tabLst/>
-              <a:defRPr/>
-            </a:pPr>
-            <a:r>
-              <a:rPr lang="fr-FR" dirty="0" smtClean="0"/>
-              <a:t>On compare le résultat optimisée de la ligne précédente pour la</a:t>
-            </a:r>
-            <a:r>
-              <a:rPr lang="fr-FR" baseline="0" dirty="0" smtClean="0"/>
-              <a:t> même valeur de portefeuille, et je prend la solution optimisée de la ligne d’avant pour une valeur de portefeuille égale à la valeur de portefeuille – le prix de l’action en cours.</a:t>
-            </a:r>
-            <a:endParaRPr lang="fr-FR" dirty="0" smtClean="0"/>
-          </a:p>
-          <a:p>
-            <a:endParaRPr lang="fr-FR" baseline="0" dirty="0" smtClean="0"/>
-          </a:p>
-          <a:p>
-            <a:endParaRPr lang="fr-FR" baseline="0" dirty="0" smtClean="0"/>
-          </a:p>
-          <a:p>
-            <a:r>
-              <a:rPr lang="fr-FR" baseline="0" dirty="0" smtClean="0"/>
-              <a:t>On obtient dans cette exemple la meilleure valeur pour un prix max de 15 est de 17 (action 3 à 9 + action 4 à 5)</a:t>
-            </a:r>
             <a:endParaRPr lang="fr-FR" dirty="0"/>
           </a:p>
         </p:txBody>
@@ -869,7 +1026,7 @@
           <a:p>
             <a:fld id="{655DF528-A856-4F2D-9893-8AD5F52BF246}" type="slidenum">
               <a:rPr lang="fr-FR" smtClean="0"/>
-              <a:t>7</a:t>
+              <a:t>5</a:t>
             </a:fld>
             <a:endParaRPr lang="fr-FR" dirty="0"/>
           </a:p>
@@ -878,7 +1035,7 @@
     </p:spTree>
     <p:extLst>
       <p:ext uri="{BB962C8B-B14F-4D97-AF65-F5344CB8AC3E}">
-        <p14:creationId xmlns:p14="http://schemas.microsoft.com/office/powerpoint/2010/main" val="1392151434"/>
+        <p14:creationId xmlns:p14="http://schemas.microsoft.com/office/powerpoint/2010/main" val="2114452735"/>
       </p:ext>
     </p:extLst>
   </p:cSld>
@@ -932,6 +1089,66 @@
           <a:bodyPr/>
           <a:lstStyle/>
           <a:p>
+            <a:r>
+              <a:rPr lang="fr-FR" dirty="0" smtClean="0"/>
+              <a:t>L’idée est</a:t>
+            </a:r>
+            <a:r>
+              <a:rPr lang="fr-FR" baseline="0" dirty="0" smtClean="0"/>
+              <a:t> de factoriser les calculs pour éviter de les faire trop de fois. </a:t>
+            </a:r>
+          </a:p>
+          <a:p>
+            <a:endParaRPr lang="fr-FR" baseline="0" dirty="0" smtClean="0"/>
+          </a:p>
+          <a:p>
+            <a:r>
+              <a:rPr lang="fr-FR" baseline="0" dirty="0" smtClean="0"/>
+              <a:t>Pour l’action 1, la valeur max est obtenue dans le portefeuille</a:t>
+            </a:r>
+          </a:p>
+          <a:p>
+            <a:endParaRPr lang="fr-FR" baseline="0" dirty="0" smtClean="0"/>
+          </a:p>
+          <a:p>
+            <a:pPr marL="0" marR="0" lvl="0" indent="0" algn="l" defTabSz="914400" rtl="0" eaLnBrk="1" fontAlgn="auto" latinLnBrk="0" hangingPunct="1">
+              <a:lnSpc>
+                <a:spcPct val="100000"/>
+              </a:lnSpc>
+              <a:spcBef>
+                <a:spcPts val="0"/>
+              </a:spcBef>
+              <a:spcAft>
+                <a:spcPts val="0"/>
+              </a:spcAft>
+              <a:buClrTx/>
+              <a:buSzTx/>
+              <a:buFontTx/>
+              <a:buNone/>
+              <a:tabLst/>
+              <a:defRPr/>
+            </a:pPr>
+            <a:r>
+              <a:rPr lang="fr-FR" dirty="0" smtClean="0"/>
+              <a:t>On compare le résultat optimisée de la ligne précédente pour la</a:t>
+            </a:r>
+            <a:r>
+              <a:rPr lang="fr-FR" baseline="0" dirty="0" smtClean="0"/>
+              <a:t> même valeur de portefeuille, et je prend la solution optimisée de la ligne d’avant pour une valeur de portefeuille égale à la valeur de portefeuille – le prix de l’action en cours.</a:t>
+            </a:r>
+            <a:endParaRPr lang="fr-FR" dirty="0" smtClean="0"/>
+          </a:p>
+          <a:p>
+            <a:endParaRPr lang="fr-FR" baseline="0" dirty="0" smtClean="0"/>
+          </a:p>
+          <a:p>
+            <a:endParaRPr lang="fr-FR" baseline="0" dirty="0" smtClean="0"/>
+          </a:p>
+          <a:p>
+            <a:r>
+              <a:rPr lang="fr-FR" baseline="0" dirty="0" smtClean="0"/>
+              <a:t>On obtient dans cette exemple la meilleure valeur pour un prix max de 15 est de 17 (action 3 à 9 + action 4 à 5)</a:t>
+            </a:r>
             <a:endParaRPr lang="fr-FR" dirty="0"/>
           </a:p>
         </p:txBody>
@@ -953,7 +1170,7 @@
           <a:p>
             <a:fld id="{655DF528-A856-4F2D-9893-8AD5F52BF246}" type="slidenum">
               <a:rPr lang="fr-FR" smtClean="0"/>
-              <a:t>8</a:t>
+              <a:t>7</a:t>
             </a:fld>
             <a:endParaRPr lang="fr-FR" dirty="0"/>
           </a:p>
@@ -962,7 +1179,7 @@
     </p:spTree>
     <p:extLst>
       <p:ext uri="{BB962C8B-B14F-4D97-AF65-F5344CB8AC3E}">
-        <p14:creationId xmlns:p14="http://schemas.microsoft.com/office/powerpoint/2010/main" val="2983667335"/>
+        <p14:creationId xmlns:p14="http://schemas.microsoft.com/office/powerpoint/2010/main" val="1392151434"/>
       </p:ext>
     </p:extLst>
   </p:cSld>
@@ -1016,51 +1233,6 @@
           <a:bodyPr/>
           <a:lstStyle/>
           <a:p>
-            <a:r>
-              <a:rPr lang="fr-FR" dirty="0" smtClean="0"/>
-              <a:t>Globalement, si on double le</a:t>
-            </a:r>
-            <a:r>
-              <a:rPr lang="fr-FR" baseline="0" dirty="0" smtClean="0"/>
-              <a:t> nombre d’actions, on augmente le temps de 1,6 x</a:t>
-            </a:r>
-          </a:p>
-          <a:p>
-            <a:endParaRPr lang="fr-FR" baseline="0" dirty="0" smtClean="0"/>
-          </a:p>
-          <a:p>
-            <a:r>
-              <a:rPr lang="fr-FR" baseline="0" dirty="0" smtClean="0"/>
-              <a:t>Si on multiplie par 10 l’investissement max, on multiplie par 10 le temps d’exécution</a:t>
-            </a:r>
-          </a:p>
-          <a:p>
-            <a:endParaRPr lang="fr-FR" baseline="0" dirty="0" smtClean="0"/>
-          </a:p>
-          <a:p>
-            <a:r>
-              <a:rPr lang="fr-FR" baseline="0" dirty="0" smtClean="0"/>
-              <a:t>Si on multiplie par 10 l’investissement max et par 2 le nombre d’action, on multiplie par 16 le temps d’exécution (soit 1,6*10)</a:t>
-            </a:r>
-          </a:p>
-          <a:p>
-            <a:endParaRPr lang="fr-FR" dirty="0" smtClean="0"/>
-          </a:p>
-          <a:p>
-            <a:r>
-              <a:rPr lang="fr-FR" dirty="0" smtClean="0"/>
-              <a:t>Donc</a:t>
-            </a:r>
-            <a:r>
-              <a:rPr lang="fr-FR" baseline="0" dirty="0" smtClean="0"/>
-              <a:t> la complexité est supérieur à O(n) mais inférieure à O(n2) </a:t>
-            </a:r>
-            <a:r>
-              <a:rPr lang="fr-FR" baseline="0" dirty="0" smtClean="0">
-                <a:sym typeface="Wingdings" panose="05000000000000000000" pitchFamily="2" charset="2"/>
-              </a:rPr>
-              <a:t> O(n log(n))</a:t>
-            </a:r>
             <a:endParaRPr lang="fr-FR" dirty="0"/>
           </a:p>
         </p:txBody>
@@ -1082,7 +1254,7 @@
           <a:p>
             <a:fld id="{655DF528-A856-4F2D-9893-8AD5F52BF246}" type="slidenum">
               <a:rPr lang="fr-FR" smtClean="0"/>
-              <a:t>9</a:t>
+              <a:t>8</a:t>
             </a:fld>
             <a:endParaRPr lang="fr-FR" dirty="0"/>
           </a:p>
@@ -1091,7 +1263,7 @@
     </p:spTree>
     <p:extLst>
       <p:ext uri="{BB962C8B-B14F-4D97-AF65-F5344CB8AC3E}">
-        <p14:creationId xmlns:p14="http://schemas.microsoft.com/office/powerpoint/2010/main" val="3615639442"/>
+        <p14:creationId xmlns:p14="http://schemas.microsoft.com/office/powerpoint/2010/main" val="2983667335"/>
       </p:ext>
     </p:extLst>
   </p:cSld>
@@ -1145,6 +1317,51 @@
           <a:bodyPr/>
           <a:lstStyle/>
           <a:p>
+            <a:r>
+              <a:rPr lang="fr-FR" dirty="0" smtClean="0"/>
+              <a:t>Globalement, si on double le</a:t>
+            </a:r>
+            <a:r>
+              <a:rPr lang="fr-FR" baseline="0" dirty="0" smtClean="0"/>
+              <a:t> nombre d’actions, on augmente le temps de 1,6 x</a:t>
+            </a:r>
+          </a:p>
+          <a:p>
+            <a:endParaRPr lang="fr-FR" baseline="0" dirty="0" smtClean="0"/>
+          </a:p>
+          <a:p>
+            <a:r>
+              <a:rPr lang="fr-FR" baseline="0" dirty="0" smtClean="0"/>
+              <a:t>Si on multiplie par 10 l’investissement max, on multiplie par 10 le temps d’exécution</a:t>
+            </a:r>
+          </a:p>
+          <a:p>
+            <a:endParaRPr lang="fr-FR" baseline="0" dirty="0" smtClean="0"/>
+          </a:p>
+          <a:p>
+            <a:r>
+              <a:rPr lang="fr-FR" baseline="0" dirty="0" smtClean="0"/>
+              <a:t>Si on multiplie par 10 l’investissement max et par 2 le nombre d’action, on multiplie par 16 le temps d’exécution (soit 1,6*10)</a:t>
+            </a:r>
+          </a:p>
+          <a:p>
+            <a:endParaRPr lang="fr-FR" dirty="0" smtClean="0"/>
+          </a:p>
+          <a:p>
+            <a:r>
+              <a:rPr lang="fr-FR" dirty="0" smtClean="0"/>
+              <a:t>Donc</a:t>
+            </a:r>
+            <a:r>
+              <a:rPr lang="fr-FR" baseline="0" dirty="0" smtClean="0"/>
+              <a:t> la complexité est supérieur à O(n) mais inférieure à O(n2) </a:t>
+            </a:r>
+            <a:r>
+              <a:rPr lang="fr-FR" baseline="0" dirty="0" smtClean="0">
+                <a:sym typeface="Wingdings" panose="05000000000000000000" pitchFamily="2" charset="2"/>
+              </a:rPr>
+              <a:t> O(n log(n))</a:t>
+            </a:r>
             <a:endParaRPr lang="fr-FR" dirty="0"/>
           </a:p>
         </p:txBody>
@@ -1166,7 +1383,7 @@
           <a:p>
             <a:fld id="{655DF528-A856-4F2D-9893-8AD5F52BF246}" type="slidenum">
               <a:rPr lang="fr-FR" smtClean="0"/>
-              <a:t>10</a:t>
+              <a:t>9</a:t>
             </a:fld>
             <a:endParaRPr lang="fr-FR" dirty="0"/>
           </a:p>
@@ -1175,7 +1392,7 @@
     </p:spTree>
     <p:extLst>
       <p:ext uri="{BB962C8B-B14F-4D97-AF65-F5344CB8AC3E}">
-        <p14:creationId xmlns:p14="http://schemas.microsoft.com/office/powerpoint/2010/main" val="2432744989"/>
+        <p14:creationId xmlns:p14="http://schemas.microsoft.com/office/powerpoint/2010/main" val="3615639442"/>
       </p:ext>
     </p:extLst>
   </p:cSld>
@@ -1229,14 +1446,6 @@
           <a:bodyPr/>
           <a:lstStyle/>
           <a:p>
-            <a:r>
-              <a:rPr lang="fr-FR" dirty="0" smtClean="0"/>
-              <a:t>Le résultat est identique pour</a:t>
-            </a:r>
-            <a:r>
-              <a:rPr lang="fr-FR" baseline="0" dirty="0" smtClean="0"/>
-              <a:t> les 20 actions. Cependant, le temps d’exécution est nettement inférieur pour la solution optimisée (environ 87,65x plus rapide).</a:t>
-            </a:r>
             <a:endParaRPr lang="fr-FR" dirty="0"/>
           </a:p>
         </p:txBody>
@@ -1258,7 +1467,7 @@
           <a:p>
             <a:fld id="{655DF528-A856-4F2D-9893-8AD5F52BF246}" type="slidenum">
               <a:rPr lang="fr-FR" smtClean="0"/>
-              <a:t>11</a:t>
+              <a:t>10</a:t>
             </a:fld>
             <a:endParaRPr lang="fr-FR" dirty="0"/>
           </a:p>
@@ -1267,7 +1476,7 @@
     </p:spTree>
     <p:extLst>
       <p:ext uri="{BB962C8B-B14F-4D97-AF65-F5344CB8AC3E}">
-        <p14:creationId xmlns:p14="http://schemas.microsoft.com/office/powerpoint/2010/main" val="3764583499"/>
+        <p14:creationId xmlns:p14="http://schemas.microsoft.com/office/powerpoint/2010/main" val="2432744989"/>
       </p:ext>
     </p:extLst>
   </p:cSld>
@@ -1323,63 +1532,11 @@
           <a:p>
             <a:r>
               <a:rPr lang="fr-FR" dirty="0" smtClean="0"/>
-              <a:t>Mon résultat :  39,412%</a:t>
-            </a:r>
-          </a:p>
-          <a:p>
-            <a:r>
-              <a:rPr lang="fr-FR" dirty="0" smtClean="0"/>
-              <a:t>Sienna :  39,419%</a:t>
-            </a:r>
-          </a:p>
-          <a:p>
-            <a:endParaRPr lang="fr-FR" dirty="0" smtClean="0"/>
-          </a:p>
-          <a:p>
-            <a:r>
-              <a:rPr lang="fr-FR" dirty="0" smtClean="0"/>
-              <a:t>Il aurait pu être envisageable de ne pas prendre en considération les actions</a:t>
+              <a:t>Le résultat est identique pour</a:t>
             </a:r>
             <a:r>
               <a:rPr lang="fr-FR" baseline="0" dirty="0" smtClean="0"/>
-              <a:t> à très faibles rendements et très faibles couts.  Tout dépend si on souhaite avoir le meilleur profit, ou optimiser en supprimer les petites actions, au risque d’avoir un retour sur investissement un peu moindre, mais un pourcentage de profit plus intéressant.</a:t>
-            </a:r>
-          </a:p>
-          <a:p>
-            <a:endParaRPr lang="fr-FR" baseline="0" dirty="0" smtClean="0"/>
-          </a:p>
-          <a:p>
-            <a:r>
-              <a:rPr lang="fr-FR" baseline="0" dirty="0" smtClean="0"/>
-              <a:t>Share-HITN -- price :   0.67 € -- profit :   0.22 € </a:t>
-            </a:r>
-            <a:r>
-              <a:rPr lang="fr-FR" baseline="0" dirty="0" smtClean="0">
-                <a:sym typeface="Wingdings" panose="05000000000000000000" pitchFamily="2" charset="2"/>
-              </a:rPr>
-              <a:t> un prix de 67cts et un rendement de 22cts, est-ce à prendre en considération dans ce genre de domaine ?</a:t>
-            </a:r>
-            <a:endParaRPr lang="fr-FR" baseline="0" dirty="0" smtClean="0"/>
-          </a:p>
-          <a:p>
-            <a:r>
-              <a:rPr lang="fr-FR" baseline="0" dirty="0" smtClean="0"/>
-              <a:t>Share-GRUT -- price : 498.76 € -- profit : 196.61 €</a:t>
-            </a:r>
-          </a:p>
-          <a:p>
-            <a:endParaRPr lang="fr-FR" baseline="0" dirty="0" smtClean="0"/>
-          </a:p>
-          <a:p>
-            <a:r>
-              <a:rPr lang="fr-FR" baseline="0" dirty="0" smtClean="0"/>
-              <a:t>Total invest = 499.43 €</a:t>
-            </a:r>
-          </a:p>
-          <a:p>
-            <a:r>
-              <a:rPr lang="fr-FR" baseline="0" dirty="0" smtClean="0"/>
-              <a:t>Maximum profit in euros : 196.84 €</a:t>
+              <a:t> les 20 actions. Cependant, le temps d’exécution est nettement inférieur pour la solution optimisée (environ 87,65x plus rapide).</a:t>
             </a:r>
             <a:endParaRPr lang="fr-FR" dirty="0"/>
           </a:p>
@@ -1402,7 +1559,7 @@
           <a:p>
             <a:fld id="{655DF528-A856-4F2D-9893-8AD5F52BF246}" type="slidenum">
               <a:rPr lang="fr-FR" smtClean="0"/>
-              <a:t>12</a:t>
+              <a:t>11</a:t>
             </a:fld>
             <a:endParaRPr lang="fr-FR" dirty="0"/>
           </a:p>
@@ -1411,7 +1568,7 @@
     </p:spTree>
     <p:extLst>
       <p:ext uri="{BB962C8B-B14F-4D97-AF65-F5344CB8AC3E}">
-        <p14:creationId xmlns:p14="http://schemas.microsoft.com/office/powerpoint/2010/main" val="558882552"/>
+        <p14:creationId xmlns:p14="http://schemas.microsoft.com/office/powerpoint/2010/main" val="3764583499"/>
       </p:ext>
     </p:extLst>
   </p:cSld>
@@ -1467,13 +1624,13 @@
           <a:p>
             <a:r>
               <a:rPr lang="fr-FR" dirty="0" smtClean="0"/>
-              <a:t>Mon résultat :  40,356%</a:t>
+              <a:t>Mon résultat :  39,412%</a:t>
             </a:r>
           </a:p>
           <a:p>
             <a:r>
               <a:rPr lang="fr-FR" dirty="0" smtClean="0"/>
-              <a:t>Sienna :  39,608%</a:t>
+              <a:t>Sienna :  39,419%</a:t>
             </a:r>
           </a:p>
           <a:p>
@@ -1482,121 +1639,48 @@
           <a:p>
             <a:r>
               <a:rPr lang="fr-FR" dirty="0" smtClean="0"/>
-              <a:t>Mon rendement est supérieur à celui de Sienna, de presque</a:t>
+              <a:t>Il aurait pu être envisageable de ne pas prendre en considération les actions</a:t>
             </a:r>
             <a:r>
               <a:rPr lang="fr-FR" baseline="0" dirty="0" smtClean="0"/>
-              <a:t> 1%. Cependant, c’est toujours l’histoire de </a:t>
-            </a:r>
-            <a:r>
-              <a:rPr lang="fr-FR" baseline="0" dirty="0" err="1" smtClean="0"/>
-              <a:t>savoire</a:t>
-            </a:r>
+              <a:t> à très faibles rendements et très faibles couts.  Tout dépend si on souhaite avoir le meilleur profit, ou optimiser en supprimer les petites actions, au risque d’avoir un retour sur investissement un peu moindre, mais un pourcentage de profit plus intéressant.</a:t>
+            </a:r>
+          </a:p>
+          <a:p>
+            <a:endParaRPr lang="fr-FR" baseline="0" dirty="0" smtClean="0"/>
+          </a:p>
+          <a:p>
             <a:r>
               <a:rPr lang="fr-FR" baseline="0" dirty="0" smtClean="0"/>
-              <a:t> si on veut un meilleure pourcentage de rendement, au prix d’avoir un peux moins de liquidité à la fin ou non.</a:t>
-            </a:r>
+              <a:t>Share-HITN -- price :   0.67 € -- profit :   0.22 € </a:t>
+            </a:r>
+            <a:r>
+              <a:rPr lang="fr-FR" baseline="0" dirty="0" smtClean="0">
+                <a:sym typeface="Wingdings" panose="05000000000000000000" pitchFamily="2" charset="2"/>
+              </a:rPr>
+              <a:t> un prix de 67cts et un rendement de 22cts, est-ce à prendre en considération dans ce genre de domaine ?</a:t>
+            </a:r>
+            <a:endParaRPr lang="fr-FR" baseline="0" dirty="0" smtClean="0"/>
           </a:p>
           <a:p>
             <a:r>
               <a:rPr lang="fr-FR" baseline="0" dirty="0" smtClean="0"/>
-              <a:t>Dans mon approche, je parie sur la rentabilité en pourcentage, sans pour autant écarter les petits prix, qui pourrait effectivement revoir à la baisse le meilleure rendement (0,005% sur le dataset1)</a:t>
-            </a:r>
-          </a:p>
-          <a:p>
-            <a:endParaRPr lang="fr-FR" dirty="0" smtClean="0"/>
-          </a:p>
-          <a:p>
-            <a:r>
-              <a:rPr lang="fr-FR" dirty="0" smtClean="0"/>
-              <a:t>Share-GEBJ -- price :   5.87 € -- profit :   2.23 €</a:t>
-            </a:r>
-          </a:p>
-          <a:p>
-            <a:r>
-              <a:rPr lang="fr-FR" dirty="0" smtClean="0"/>
-              <a:t>Share-LFXB -- price :  14.83 € -- profit :   5.90 €</a:t>
-            </a:r>
-          </a:p>
-          <a:p>
-            <a:r>
-              <a:rPr lang="fr-FR" dirty="0" smtClean="0"/>
-              <a:t>Share-FWBE -- price :  18.31 € -- profit :   7.29 €</a:t>
-            </a:r>
-          </a:p>
-          <a:p>
-            <a:r>
-              <a:rPr lang="fr-FR" dirty="0" smtClean="0"/>
-              <a:t>Share-HATC -- price :  43.45 € -- profit :  14.83 €</a:t>
-            </a:r>
-          </a:p>
-          <a:p>
-            <a:r>
-              <a:rPr lang="fr-FR" dirty="0" smtClean="0"/>
-              <a:t>Share-FWMV -- price :  41.68 € -- profit :  14.92 €</a:t>
-            </a:r>
-          </a:p>
-          <a:p>
-            <a:r>
-              <a:rPr lang="fr-FR" dirty="0" smtClean="0"/>
-              <a:t>Share-OPBR -- price :  39.00 € -- profit :  15.19 €</a:t>
-            </a:r>
-          </a:p>
-          <a:p>
-            <a:r>
-              <a:rPr lang="fr-FR" dirty="0" smtClean="0"/>
-              <a:t>Share-MALJ -- price :  46.37 € -- profit :  15.25 €</a:t>
-            </a:r>
-          </a:p>
-          <a:p>
-            <a:r>
-              <a:rPr lang="fr-FR" dirty="0" smtClean="0"/>
-              <a:t>Share-ANFX -- price :  38.55 € -- profit :  15.31 €</a:t>
-            </a:r>
-          </a:p>
-          <a:p>
-            <a:r>
-              <a:rPr lang="fr-FR" dirty="0" smtClean="0"/>
-              <a:t>Share-IJFT -- price :  40.91 € -- profit :  15.91 €</a:t>
-            </a:r>
-          </a:p>
-          <a:p>
-            <a:r>
-              <a:rPr lang="fr-FR" dirty="0" smtClean="0"/>
-              <a:t>Share-DLNE -- price :  44.06 € -- profit :  16.19 €</a:t>
-            </a:r>
-          </a:p>
-          <a:p>
-            <a:r>
-              <a:rPr lang="fr-FR" dirty="0" smtClean="0"/>
-              <a:t>Share-QEVK -- price :  49.77 € -- profit :  17.11 €</a:t>
-            </a:r>
-          </a:p>
-          <a:p>
-            <a:r>
-              <a:rPr lang="fr-FR" dirty="0" smtClean="0"/>
-              <a:t>Share-MBQU -- price :  51.46 € -- profit :  18.41 €</a:t>
-            </a:r>
-          </a:p>
-          <a:p>
-            <a:r>
-              <a:rPr lang="fr-FR" dirty="0" smtClean="0"/>
-              <a:t>Share-JWGF -- price :  48.69 € -- profit :  19.44 €</a:t>
-            </a:r>
-          </a:p>
-          <a:p>
-            <a:endParaRPr lang="fr-FR" dirty="0" smtClean="0"/>
-          </a:p>
-          <a:p>
-            <a:r>
-              <a:rPr lang="fr-FR" dirty="0" smtClean="0"/>
-              <a:t>Total cost: 482.95 €</a:t>
-            </a:r>
-          </a:p>
-          <a:p>
-            <a:r>
-              <a:rPr lang="fr-FR" dirty="0" smtClean="0"/>
-              <a:t>Total return: 194.90 €</a:t>
+              <a:t>Share-GRUT -- price : 498.76 € -- profit : 196.61 €</a:t>
+            </a:r>
+          </a:p>
+          <a:p>
+            <a:endParaRPr lang="fr-FR" baseline="0" dirty="0" smtClean="0"/>
+          </a:p>
+          <a:p>
+            <a:r>
+              <a:rPr lang="fr-FR" baseline="0" dirty="0" smtClean="0"/>
+              <a:t>Total invest = 499.43 €</a:t>
+            </a:r>
+          </a:p>
+          <a:p>
+            <a:r>
+              <a:rPr lang="fr-FR" baseline="0" dirty="0" smtClean="0"/>
+              <a:t>Maximum profit in euros : 196.84 €</a:t>
             </a:r>
             <a:endParaRPr lang="fr-FR" dirty="0"/>
           </a:p>
@@ -1619,7 +1703,7 @@
           <a:p>
             <a:fld id="{655DF528-A856-4F2D-9893-8AD5F52BF246}" type="slidenum">
               <a:rPr lang="fr-FR" smtClean="0"/>
-              <a:t>13</a:t>
+              <a:t>12</a:t>
             </a:fld>
             <a:endParaRPr lang="fr-FR" dirty="0"/>
           </a:p>
@@ -1628,7 +1712,7 @@
     </p:spTree>
     <p:extLst>
       <p:ext uri="{BB962C8B-B14F-4D97-AF65-F5344CB8AC3E}">
-        <p14:creationId xmlns:p14="http://schemas.microsoft.com/office/powerpoint/2010/main" val="1867505191"/>
+        <p14:creationId xmlns:p14="http://schemas.microsoft.com/office/powerpoint/2010/main" val="558882552"/>
       </p:ext>
     </p:extLst>
   </p:cSld>
@@ -1769,7 +1853,7 @@
           <a:p>
             <a:fld id="{982A5430-F9BB-4E1D-BCD0-73DF89425F04}" type="datetimeFigureOut">
               <a:rPr lang="fr-FR" smtClean="0"/>
-              <a:t>06/09/2021</a:t>
+              <a:t>07/09/2021</a:t>
             </a:fld>
             <a:endParaRPr lang="fr-FR" dirty="0"/>
           </a:p>
@@ -1939,7 +2023,7 @@
           <a:p>
             <a:fld id="{982A5430-F9BB-4E1D-BCD0-73DF89425F04}" type="datetimeFigureOut">
               <a:rPr lang="fr-FR" smtClean="0"/>
-              <a:t>06/09/2021</a:t>
+              <a:t>07/09/2021</a:t>
             </a:fld>
             <a:endParaRPr lang="fr-FR" dirty="0"/>
           </a:p>
@@ -2119,7 +2203,7 @@
           <a:p>
             <a:fld id="{982A5430-F9BB-4E1D-BCD0-73DF89425F04}" type="datetimeFigureOut">
               <a:rPr lang="fr-FR" smtClean="0"/>
-              <a:t>06/09/2021</a:t>
+              <a:t>07/09/2021</a:t>
             </a:fld>
             <a:endParaRPr lang="fr-FR" dirty="0"/>
           </a:p>
@@ -2289,7 +2373,7 @@
           <a:p>
             <a:fld id="{982A5430-F9BB-4E1D-BCD0-73DF89425F04}" type="datetimeFigureOut">
               <a:rPr lang="fr-FR" smtClean="0"/>
-              <a:t>06/09/2021</a:t>
+              <a:t>07/09/2021</a:t>
             </a:fld>
             <a:endParaRPr lang="fr-FR" dirty="0"/>
           </a:p>
@@ -2535,7 +2619,7 @@
           <a:p>
             <a:fld id="{982A5430-F9BB-4E1D-BCD0-73DF89425F04}" type="datetimeFigureOut">
               <a:rPr lang="fr-FR" smtClean="0"/>
-              <a:t>06/09/2021</a:t>
+              <a:t>07/09/2021</a:t>
             </a:fld>
             <a:endParaRPr lang="fr-FR" dirty="0"/>
           </a:p>
@@ -2767,7 +2851,7 @@
           <a:p>
             <a:fld id="{982A5430-F9BB-4E1D-BCD0-73DF89425F04}" type="datetimeFigureOut">
               <a:rPr lang="fr-FR" smtClean="0"/>
-              <a:t>06/09/2021</a:t>
+              <a:t>07/09/2021</a:t>
             </a:fld>
             <a:endParaRPr lang="fr-FR" dirty="0"/>
           </a:p>
@@ -3134,7 +3218,7 @@
           <a:p>
             <a:fld id="{982A5430-F9BB-4E1D-BCD0-73DF89425F04}" type="datetimeFigureOut">
               <a:rPr lang="fr-FR" smtClean="0"/>
-              <a:t>06/09/2021</a:t>
+              <a:t>07/09/2021</a:t>
             </a:fld>
             <a:endParaRPr lang="fr-FR" dirty="0"/>
           </a:p>
@@ -3252,7 +3336,7 @@
           <a:p>
             <a:fld id="{982A5430-F9BB-4E1D-BCD0-73DF89425F04}" type="datetimeFigureOut">
               <a:rPr lang="fr-FR" smtClean="0"/>
-              <a:t>06/09/2021</a:t>
+              <a:t>07/09/2021</a:t>
             </a:fld>
             <a:endParaRPr lang="fr-FR" dirty="0"/>
           </a:p>
@@ -3347,7 +3431,7 @@
           <a:p>
             <a:fld id="{982A5430-F9BB-4E1D-BCD0-73DF89425F04}" type="datetimeFigureOut">
               <a:rPr lang="fr-FR" smtClean="0"/>
-              <a:t>06/09/2021</a:t>
+              <a:t>07/09/2021</a:t>
             </a:fld>
             <a:endParaRPr lang="fr-FR" dirty="0"/>
           </a:p>
@@ -3624,7 +3708,7 @@
           <a:p>
             <a:fld id="{982A5430-F9BB-4E1D-BCD0-73DF89425F04}" type="datetimeFigureOut">
               <a:rPr lang="fr-FR" smtClean="0"/>
-              <a:t>06/09/2021</a:t>
+              <a:t>07/09/2021</a:t>
             </a:fld>
             <a:endParaRPr lang="fr-FR" dirty="0"/>
           </a:p>
@@ -3877,7 +3961,7 @@
           <a:p>
             <a:fld id="{982A5430-F9BB-4E1D-BCD0-73DF89425F04}" type="datetimeFigureOut">
               <a:rPr lang="fr-FR" smtClean="0"/>
-              <a:t>06/09/2021</a:t>
+              <a:t>07/09/2021</a:t>
             </a:fld>
             <a:endParaRPr lang="fr-FR" dirty="0"/>
           </a:p>
@@ -4120,7 +4204,7 @@
           <a:p>
             <a:fld id="{982A5430-F9BB-4E1D-BCD0-73DF89425F04}" type="datetimeFigureOut">
               <a:rPr lang="fr-FR" smtClean="0"/>
-              <a:t>06/09/2021</a:t>
+              <a:t>07/09/2021</a:t>
             </a:fld>
             <a:endParaRPr lang="fr-FR" dirty="0"/>
           </a:p>
@@ -12387,8 +12471,21 @@
           <a:p>
             <a:r>
               <a:rPr lang="fr-FR" dirty="0" smtClean="0"/>
-              <a:t>Temps d’exécution (1000 actions) :</a:t>
-            </a:r>
+              <a:t>Temps d’exécution </a:t>
+            </a:r>
+            <a:r>
+              <a:rPr lang="fr-FR" dirty="0" smtClean="0"/>
+              <a:t>(30 </a:t>
+            </a:r>
+            <a:r>
+              <a:rPr lang="fr-FR" dirty="0" smtClean="0"/>
+              <a:t>actions) </a:t>
+            </a:r>
+            <a:r>
+              <a:rPr lang="fr-FR" dirty="0"/>
+              <a:t>:  380.20231890678406 s</a:t>
+            </a:r>
+            <a:endParaRPr lang="fr-FR" dirty="0" smtClean="0"/>
           </a:p>
           <a:p>
             <a:r>
@@ -12399,7 +12496,35 @@
           <a:p>
             <a:r>
               <a:rPr lang="fr-FR" dirty="0" smtClean="0"/>
-              <a:t>Contraintes : extrêmement gourmand en ressources et en temps. Ne peut être utilisé de manière optimale que sur un nombre restreint d’actions.</a:t>
+              <a:t>Contraintes : extrêmement gourmand </a:t>
+            </a:r>
+            <a:r>
+              <a:rPr lang="fr-FR" dirty="0" smtClean="0"/>
+              <a:t>en </a:t>
+            </a:r>
+            <a:r>
+              <a:rPr lang="fr-FR" dirty="0" smtClean="0"/>
+              <a:t>temps. Ne peut être utilisé de manière optimale </a:t>
+            </a:r>
+            <a:r>
+              <a:rPr lang="fr-FR" smtClean="0"/>
+              <a:t>que </a:t>
+            </a:r>
+            <a:r>
+              <a:rPr lang="fr-FR" smtClean="0"/>
+              <a:t>sur </a:t>
+            </a:r>
+            <a:r>
+              <a:rPr lang="fr-FR" dirty="0" smtClean="0"/>
+              <a:t>un nombre restreint </a:t>
+            </a:r>
+            <a:r>
+              <a:rPr lang="fr-FR" smtClean="0"/>
+              <a:t>d’actions</a:t>
+            </a:r>
+            <a:r>
+              <a:rPr lang="fr-FR" smtClean="0"/>
+              <a:t>. </a:t>
             </a:r>
             <a:endParaRPr lang="fr-FR" dirty="0"/>
           </a:p>
